--- a/figures/Chapter 5 - Hashing/5.8 Hash Maps.pptx
+++ b/figures/Chapter 5 - Hashing/5.8 Hash Maps.pptx
@@ -106,6 +106,22 @@
       </a:defRPr>
     </a:lvl9pPr>
   </p:defaultTextStyle>
+  <p:extLst>
+    <p:ext uri="{EFAFB233-063F-42B5-8137-9DF3F51BA10A}">
+      <p15:sldGuideLst xmlns:p15="http://schemas.microsoft.com/office/powerpoint/2012/main">
+        <p15:guide id="1" orient="horz" pos="2160">
+          <p15:clr>
+            <a:srgbClr val="A4A3A4"/>
+          </p15:clr>
+        </p15:guide>
+        <p15:guide id="2" pos="2880">
+          <p15:clr>
+            <a:srgbClr val="A4A3A4"/>
+          </p15:clr>
+        </p15:guide>
+      </p15:sldGuideLst>
+    </p:ext>
+  </p:extLst>
 </p:presentation>
 </file>
 
@@ -147,10 +163,9 @@
           <a:lstStyle/>
           <a:p>
             <a:r>
-              <a:rPr lang="en-US" smtClean="0"/>
+              <a:rPr lang="en-US"/>
               <a:t>Click to edit Master title style</a:t>
             </a:r>
-            <a:endParaRPr lang="en-US"/>
           </a:p>
         </p:txBody>
       </p:sp>
@@ -266,10 +281,9 @@
           </a:lstStyle>
           <a:p>
             <a:r>
-              <a:rPr lang="en-US" smtClean="0"/>
+              <a:rPr lang="en-US"/>
               <a:t>Click to edit Master subtitle style</a:t>
             </a:r>
-            <a:endParaRPr lang="en-US"/>
           </a:p>
         </p:txBody>
       </p:sp>
@@ -290,7 +304,7 @@
           <a:p>
             <a:fld id="{20F68D57-03CD-2047-8A43-1E9B5E4E3705}" type="datetimeFigureOut">
               <a:rPr lang="en-US" smtClean="0"/>
-              <a:t>9/1/16</a:t>
+              <a:t>5/8/18</a:t>
             </a:fld>
             <a:endParaRPr lang="en-US"/>
           </a:p>
@@ -384,10 +398,9 @@
           <a:lstStyle/>
           <a:p>
             <a:r>
-              <a:rPr lang="en-US" smtClean="0"/>
+              <a:rPr lang="en-US"/>
               <a:t>Click to edit Master title style</a:t>
             </a:r>
-            <a:endParaRPr lang="en-US"/>
           </a:p>
         </p:txBody>
       </p:sp>
@@ -408,38 +421,37 @@
           <a:p>
             <a:pPr lvl="0"/>
             <a:r>
-              <a:rPr lang="en-US" smtClean="0"/>
+              <a:rPr lang="en-US"/>
               <a:t>Click to edit Master text styles</a:t>
             </a:r>
           </a:p>
           <a:p>
             <a:pPr lvl="1"/>
             <a:r>
-              <a:rPr lang="en-US" smtClean="0"/>
+              <a:rPr lang="en-US"/>
               <a:t>Second level</a:t>
             </a:r>
           </a:p>
           <a:p>
             <a:pPr lvl="2"/>
             <a:r>
-              <a:rPr lang="en-US" smtClean="0"/>
+              <a:rPr lang="en-US"/>
               <a:t>Third level</a:t>
             </a:r>
           </a:p>
           <a:p>
             <a:pPr lvl="3"/>
             <a:r>
-              <a:rPr lang="en-US" smtClean="0"/>
+              <a:rPr lang="en-US"/>
               <a:t>Fourth level</a:t>
             </a:r>
           </a:p>
           <a:p>
             <a:pPr lvl="4"/>
             <a:r>
-              <a:rPr lang="en-US" smtClean="0"/>
+              <a:rPr lang="en-US"/>
               <a:t>Fifth level</a:t>
             </a:r>
-            <a:endParaRPr lang="en-US"/>
           </a:p>
         </p:txBody>
       </p:sp>
@@ -460,7 +472,7 @@
           <a:p>
             <a:fld id="{20F68D57-03CD-2047-8A43-1E9B5E4E3705}" type="datetimeFigureOut">
               <a:rPr lang="en-US" smtClean="0"/>
-              <a:t>9/1/16</a:t>
+              <a:t>5/8/18</a:t>
             </a:fld>
             <a:endParaRPr lang="en-US"/>
           </a:p>
@@ -559,10 +571,9 @@
           <a:lstStyle/>
           <a:p>
             <a:r>
-              <a:rPr lang="en-US" smtClean="0"/>
+              <a:rPr lang="en-US"/>
               <a:t>Click to edit Master title style</a:t>
             </a:r>
-            <a:endParaRPr lang="en-US"/>
           </a:p>
         </p:txBody>
       </p:sp>
@@ -588,38 +599,37 @@
           <a:p>
             <a:pPr lvl="0"/>
             <a:r>
-              <a:rPr lang="en-US" smtClean="0"/>
+              <a:rPr lang="en-US"/>
               <a:t>Click to edit Master text styles</a:t>
             </a:r>
           </a:p>
           <a:p>
             <a:pPr lvl="1"/>
             <a:r>
-              <a:rPr lang="en-US" smtClean="0"/>
+              <a:rPr lang="en-US"/>
               <a:t>Second level</a:t>
             </a:r>
           </a:p>
           <a:p>
             <a:pPr lvl="2"/>
             <a:r>
-              <a:rPr lang="en-US" smtClean="0"/>
+              <a:rPr lang="en-US"/>
               <a:t>Third level</a:t>
             </a:r>
           </a:p>
           <a:p>
             <a:pPr lvl="3"/>
             <a:r>
-              <a:rPr lang="en-US" smtClean="0"/>
+              <a:rPr lang="en-US"/>
               <a:t>Fourth level</a:t>
             </a:r>
           </a:p>
           <a:p>
             <a:pPr lvl="4"/>
             <a:r>
-              <a:rPr lang="en-US" smtClean="0"/>
+              <a:rPr lang="en-US"/>
               <a:t>Fifth level</a:t>
             </a:r>
-            <a:endParaRPr lang="en-US"/>
           </a:p>
         </p:txBody>
       </p:sp>
@@ -640,7 +650,7 @@
           <a:p>
             <a:fld id="{20F68D57-03CD-2047-8A43-1E9B5E4E3705}" type="datetimeFigureOut">
               <a:rPr lang="en-US" smtClean="0"/>
-              <a:t>9/1/16</a:t>
+              <a:t>5/8/18</a:t>
             </a:fld>
             <a:endParaRPr lang="en-US"/>
           </a:p>
@@ -734,10 +744,9 @@
           <a:lstStyle/>
           <a:p>
             <a:r>
-              <a:rPr lang="en-US" smtClean="0"/>
+              <a:rPr lang="en-US"/>
               <a:t>Click to edit Master title style</a:t>
             </a:r>
-            <a:endParaRPr lang="en-US"/>
           </a:p>
         </p:txBody>
       </p:sp>
@@ -758,38 +767,37 @@
           <a:p>
             <a:pPr lvl="0"/>
             <a:r>
-              <a:rPr lang="en-US" smtClean="0"/>
+              <a:rPr lang="en-US"/>
               <a:t>Click to edit Master text styles</a:t>
             </a:r>
           </a:p>
           <a:p>
             <a:pPr lvl="1"/>
             <a:r>
-              <a:rPr lang="en-US" smtClean="0"/>
+              <a:rPr lang="en-US"/>
               <a:t>Second level</a:t>
             </a:r>
           </a:p>
           <a:p>
             <a:pPr lvl="2"/>
             <a:r>
-              <a:rPr lang="en-US" smtClean="0"/>
+              <a:rPr lang="en-US"/>
               <a:t>Third level</a:t>
             </a:r>
           </a:p>
           <a:p>
             <a:pPr lvl="3"/>
             <a:r>
-              <a:rPr lang="en-US" smtClean="0"/>
+              <a:rPr lang="en-US"/>
               <a:t>Fourth level</a:t>
             </a:r>
           </a:p>
           <a:p>
             <a:pPr lvl="4"/>
             <a:r>
-              <a:rPr lang="en-US" smtClean="0"/>
+              <a:rPr lang="en-US"/>
               <a:t>Fifth level</a:t>
             </a:r>
-            <a:endParaRPr lang="en-US"/>
           </a:p>
         </p:txBody>
       </p:sp>
@@ -810,7 +818,7 @@
           <a:p>
             <a:fld id="{20F68D57-03CD-2047-8A43-1E9B5E4E3705}" type="datetimeFigureOut">
               <a:rPr lang="en-US" smtClean="0"/>
-              <a:t>9/1/16</a:t>
+              <a:t>5/8/18</a:t>
             </a:fld>
             <a:endParaRPr lang="en-US"/>
           </a:p>
@@ -913,10 +921,9 @@
           </a:lstStyle>
           <a:p>
             <a:r>
-              <a:rPr lang="en-US" smtClean="0"/>
+              <a:rPr lang="en-US"/>
               <a:t>Click to edit Master title style</a:t>
             </a:r>
-            <a:endParaRPr lang="en-US"/>
           </a:p>
         </p:txBody>
       </p:sp>
@@ -1033,7 +1040,7 @@
           <a:p>
             <a:pPr lvl="0"/>
             <a:r>
-              <a:rPr lang="en-US" smtClean="0"/>
+              <a:rPr lang="en-US"/>
               <a:t>Click to edit Master text styles</a:t>
             </a:r>
           </a:p>
@@ -1056,7 +1063,7 @@
           <a:p>
             <a:fld id="{20F68D57-03CD-2047-8A43-1E9B5E4E3705}" type="datetimeFigureOut">
               <a:rPr lang="en-US" smtClean="0"/>
-              <a:t>9/1/16</a:t>
+              <a:t>5/8/18</a:t>
             </a:fld>
             <a:endParaRPr lang="en-US"/>
           </a:p>
@@ -1150,10 +1157,9 @@
           <a:lstStyle/>
           <a:p>
             <a:r>
-              <a:rPr lang="en-US" smtClean="0"/>
+              <a:rPr lang="en-US"/>
               <a:t>Click to edit Master title style</a:t>
             </a:r>
-            <a:endParaRPr lang="en-US"/>
           </a:p>
         </p:txBody>
       </p:sp>
@@ -1207,38 +1213,37 @@
           <a:p>
             <a:pPr lvl="0"/>
             <a:r>
-              <a:rPr lang="en-US" smtClean="0"/>
+              <a:rPr lang="en-US"/>
               <a:t>Click to edit Master text styles</a:t>
             </a:r>
           </a:p>
           <a:p>
             <a:pPr lvl="1"/>
             <a:r>
-              <a:rPr lang="en-US" smtClean="0"/>
+              <a:rPr lang="en-US"/>
               <a:t>Second level</a:t>
             </a:r>
           </a:p>
           <a:p>
             <a:pPr lvl="2"/>
             <a:r>
-              <a:rPr lang="en-US" smtClean="0"/>
+              <a:rPr lang="en-US"/>
               <a:t>Third level</a:t>
             </a:r>
           </a:p>
           <a:p>
             <a:pPr lvl="3"/>
             <a:r>
-              <a:rPr lang="en-US" smtClean="0"/>
+              <a:rPr lang="en-US"/>
               <a:t>Fourth level</a:t>
             </a:r>
           </a:p>
           <a:p>
             <a:pPr lvl="4"/>
             <a:r>
-              <a:rPr lang="en-US" smtClean="0"/>
+              <a:rPr lang="en-US"/>
               <a:t>Fifth level</a:t>
             </a:r>
-            <a:endParaRPr lang="en-US"/>
           </a:p>
         </p:txBody>
       </p:sp>
@@ -1292,38 +1297,37 @@
           <a:p>
             <a:pPr lvl="0"/>
             <a:r>
-              <a:rPr lang="en-US" smtClean="0"/>
+              <a:rPr lang="en-US"/>
               <a:t>Click to edit Master text styles</a:t>
             </a:r>
           </a:p>
           <a:p>
             <a:pPr lvl="1"/>
             <a:r>
-              <a:rPr lang="en-US" smtClean="0"/>
+              <a:rPr lang="en-US"/>
               <a:t>Second level</a:t>
             </a:r>
           </a:p>
           <a:p>
             <a:pPr lvl="2"/>
             <a:r>
-              <a:rPr lang="en-US" smtClean="0"/>
+              <a:rPr lang="en-US"/>
               <a:t>Third level</a:t>
             </a:r>
           </a:p>
           <a:p>
             <a:pPr lvl="3"/>
             <a:r>
-              <a:rPr lang="en-US" smtClean="0"/>
+              <a:rPr lang="en-US"/>
               <a:t>Fourth level</a:t>
             </a:r>
           </a:p>
           <a:p>
             <a:pPr lvl="4"/>
             <a:r>
-              <a:rPr lang="en-US" smtClean="0"/>
+              <a:rPr lang="en-US"/>
               <a:t>Fifth level</a:t>
             </a:r>
-            <a:endParaRPr lang="en-US"/>
           </a:p>
         </p:txBody>
       </p:sp>
@@ -1344,7 +1348,7 @@
           <a:p>
             <a:fld id="{20F68D57-03CD-2047-8A43-1E9B5E4E3705}" type="datetimeFigureOut">
               <a:rPr lang="en-US" smtClean="0"/>
-              <a:t>9/1/16</a:t>
+              <a:t>5/8/18</a:t>
             </a:fld>
             <a:endParaRPr lang="en-US"/>
           </a:p>
@@ -1442,10 +1446,9 @@
           </a:lstStyle>
           <a:p>
             <a:r>
-              <a:rPr lang="en-US" smtClean="0"/>
+              <a:rPr lang="en-US"/>
               <a:t>Click to edit Master title style</a:t>
             </a:r>
-            <a:endParaRPr lang="en-US"/>
           </a:p>
         </p:txBody>
       </p:sp>
@@ -1508,7 +1511,7 @@
           <a:p>
             <a:pPr lvl="0"/>
             <a:r>
-              <a:rPr lang="en-US" smtClean="0"/>
+              <a:rPr lang="en-US"/>
               <a:t>Click to edit Master text styles</a:t>
             </a:r>
           </a:p>
@@ -1564,38 +1567,37 @@
           <a:p>
             <a:pPr lvl="0"/>
             <a:r>
-              <a:rPr lang="en-US" smtClean="0"/>
+              <a:rPr lang="en-US"/>
               <a:t>Click to edit Master text styles</a:t>
             </a:r>
           </a:p>
           <a:p>
             <a:pPr lvl="1"/>
             <a:r>
-              <a:rPr lang="en-US" smtClean="0"/>
+              <a:rPr lang="en-US"/>
               <a:t>Second level</a:t>
             </a:r>
           </a:p>
           <a:p>
             <a:pPr lvl="2"/>
             <a:r>
-              <a:rPr lang="en-US" smtClean="0"/>
+              <a:rPr lang="en-US"/>
               <a:t>Third level</a:t>
             </a:r>
           </a:p>
           <a:p>
             <a:pPr lvl="3"/>
             <a:r>
-              <a:rPr lang="en-US" smtClean="0"/>
+              <a:rPr lang="en-US"/>
               <a:t>Fourth level</a:t>
             </a:r>
           </a:p>
           <a:p>
             <a:pPr lvl="4"/>
             <a:r>
-              <a:rPr lang="en-US" smtClean="0"/>
+              <a:rPr lang="en-US"/>
               <a:t>Fifth level</a:t>
             </a:r>
-            <a:endParaRPr lang="en-US"/>
           </a:p>
         </p:txBody>
       </p:sp>
@@ -1658,7 +1660,7 @@
           <a:p>
             <a:pPr lvl="0"/>
             <a:r>
-              <a:rPr lang="en-US" smtClean="0"/>
+              <a:rPr lang="en-US"/>
               <a:t>Click to edit Master text styles</a:t>
             </a:r>
           </a:p>
@@ -1714,38 +1716,37 @@
           <a:p>
             <a:pPr lvl="0"/>
             <a:r>
-              <a:rPr lang="en-US" smtClean="0"/>
+              <a:rPr lang="en-US"/>
               <a:t>Click to edit Master text styles</a:t>
             </a:r>
           </a:p>
           <a:p>
             <a:pPr lvl="1"/>
             <a:r>
-              <a:rPr lang="en-US" smtClean="0"/>
+              <a:rPr lang="en-US"/>
               <a:t>Second level</a:t>
             </a:r>
           </a:p>
           <a:p>
             <a:pPr lvl="2"/>
             <a:r>
-              <a:rPr lang="en-US" smtClean="0"/>
+              <a:rPr lang="en-US"/>
               <a:t>Third level</a:t>
             </a:r>
           </a:p>
           <a:p>
             <a:pPr lvl="3"/>
             <a:r>
-              <a:rPr lang="en-US" smtClean="0"/>
+              <a:rPr lang="en-US"/>
               <a:t>Fourth level</a:t>
             </a:r>
           </a:p>
           <a:p>
             <a:pPr lvl="4"/>
             <a:r>
-              <a:rPr lang="en-US" smtClean="0"/>
+              <a:rPr lang="en-US"/>
               <a:t>Fifth level</a:t>
             </a:r>
-            <a:endParaRPr lang="en-US"/>
           </a:p>
         </p:txBody>
       </p:sp>
@@ -1766,7 +1767,7 @@
           <a:p>
             <a:fld id="{20F68D57-03CD-2047-8A43-1E9B5E4E3705}" type="datetimeFigureOut">
               <a:rPr lang="en-US" smtClean="0"/>
-              <a:t>9/1/16</a:t>
+              <a:t>5/8/18</a:t>
             </a:fld>
             <a:endParaRPr lang="en-US"/>
           </a:p>
@@ -1860,10 +1861,9 @@
           <a:lstStyle/>
           <a:p>
             <a:r>
-              <a:rPr lang="en-US" smtClean="0"/>
+              <a:rPr lang="en-US"/>
               <a:t>Click to edit Master title style</a:t>
             </a:r>
-            <a:endParaRPr lang="en-US"/>
           </a:p>
         </p:txBody>
       </p:sp>
@@ -1884,7 +1884,7 @@
           <a:p>
             <a:fld id="{20F68D57-03CD-2047-8A43-1E9B5E4E3705}" type="datetimeFigureOut">
               <a:rPr lang="en-US" smtClean="0"/>
-              <a:t>9/1/16</a:t>
+              <a:t>5/8/18</a:t>
             </a:fld>
             <a:endParaRPr lang="en-US"/>
           </a:p>
@@ -1979,7 +1979,7 @@
           <a:p>
             <a:fld id="{20F68D57-03CD-2047-8A43-1E9B5E4E3705}" type="datetimeFigureOut">
               <a:rPr lang="en-US" smtClean="0"/>
-              <a:t>9/1/16</a:t>
+              <a:t>5/8/18</a:t>
             </a:fld>
             <a:endParaRPr lang="en-US"/>
           </a:p>
@@ -2082,10 +2082,9 @@
           </a:lstStyle>
           <a:p>
             <a:r>
-              <a:rPr lang="en-US" smtClean="0"/>
+              <a:rPr lang="en-US"/>
               <a:t>Click to edit Master title style</a:t>
             </a:r>
-            <a:endParaRPr lang="en-US"/>
           </a:p>
         </p:txBody>
       </p:sp>
@@ -2139,38 +2138,37 @@
           <a:p>
             <a:pPr lvl="0"/>
             <a:r>
-              <a:rPr lang="en-US" smtClean="0"/>
+              <a:rPr lang="en-US"/>
               <a:t>Click to edit Master text styles</a:t>
             </a:r>
           </a:p>
           <a:p>
             <a:pPr lvl="1"/>
             <a:r>
-              <a:rPr lang="en-US" smtClean="0"/>
+              <a:rPr lang="en-US"/>
               <a:t>Second level</a:t>
             </a:r>
           </a:p>
           <a:p>
             <a:pPr lvl="2"/>
             <a:r>
-              <a:rPr lang="en-US" smtClean="0"/>
+              <a:rPr lang="en-US"/>
               <a:t>Third level</a:t>
             </a:r>
           </a:p>
           <a:p>
             <a:pPr lvl="3"/>
             <a:r>
-              <a:rPr lang="en-US" smtClean="0"/>
+              <a:rPr lang="en-US"/>
               <a:t>Fourth level</a:t>
             </a:r>
           </a:p>
           <a:p>
             <a:pPr lvl="4"/>
             <a:r>
-              <a:rPr lang="en-US" smtClean="0"/>
+              <a:rPr lang="en-US"/>
               <a:t>Fifth level</a:t>
             </a:r>
-            <a:endParaRPr lang="en-US"/>
           </a:p>
         </p:txBody>
       </p:sp>
@@ -2233,7 +2231,7 @@
           <a:p>
             <a:pPr lvl="0"/>
             <a:r>
-              <a:rPr lang="en-US" smtClean="0"/>
+              <a:rPr lang="en-US"/>
               <a:t>Click to edit Master text styles</a:t>
             </a:r>
           </a:p>
@@ -2256,7 +2254,7 @@
           <a:p>
             <a:fld id="{20F68D57-03CD-2047-8A43-1E9B5E4E3705}" type="datetimeFigureOut">
               <a:rPr lang="en-US" smtClean="0"/>
-              <a:t>9/1/16</a:t>
+              <a:t>5/8/18</a:t>
             </a:fld>
             <a:endParaRPr lang="en-US"/>
           </a:p>
@@ -2359,10 +2357,9 @@
           </a:lstStyle>
           <a:p>
             <a:r>
-              <a:rPr lang="en-US" smtClean="0"/>
+              <a:rPr lang="en-US"/>
               <a:t>Click to edit Master title style</a:t>
             </a:r>
-            <a:endParaRPr lang="en-US"/>
           </a:p>
         </p:txBody>
       </p:sp>
@@ -2486,7 +2483,7 @@
           <a:p>
             <a:pPr lvl="0"/>
             <a:r>
-              <a:rPr lang="en-US" smtClean="0"/>
+              <a:rPr lang="en-US"/>
               <a:t>Click to edit Master text styles</a:t>
             </a:r>
           </a:p>
@@ -2509,7 +2506,7 @@
           <a:p>
             <a:fld id="{20F68D57-03CD-2047-8A43-1E9B5E4E3705}" type="datetimeFigureOut">
               <a:rPr lang="en-US" smtClean="0"/>
-              <a:t>9/1/16</a:t>
+              <a:t>5/8/18</a:t>
             </a:fld>
             <a:endParaRPr lang="en-US"/>
           </a:p>
@@ -2618,10 +2615,9 @@
           <a:lstStyle/>
           <a:p>
             <a:r>
-              <a:rPr lang="en-US" smtClean="0"/>
+              <a:rPr lang="en-US"/>
               <a:t>Click to edit Master title style</a:t>
             </a:r>
-            <a:endParaRPr lang="en-US"/>
           </a:p>
         </p:txBody>
       </p:sp>
@@ -2652,38 +2648,37 @@
           <a:p>
             <a:pPr lvl="0"/>
             <a:r>
-              <a:rPr lang="en-US" smtClean="0"/>
+              <a:rPr lang="en-US"/>
               <a:t>Click to edit Master text styles</a:t>
             </a:r>
           </a:p>
           <a:p>
             <a:pPr lvl="1"/>
             <a:r>
-              <a:rPr lang="en-US" smtClean="0"/>
+              <a:rPr lang="en-US"/>
               <a:t>Second level</a:t>
             </a:r>
           </a:p>
           <a:p>
             <a:pPr lvl="2"/>
             <a:r>
-              <a:rPr lang="en-US" smtClean="0"/>
+              <a:rPr lang="en-US"/>
               <a:t>Third level</a:t>
             </a:r>
           </a:p>
           <a:p>
             <a:pPr lvl="3"/>
             <a:r>
-              <a:rPr lang="en-US" smtClean="0"/>
+              <a:rPr lang="en-US"/>
               <a:t>Fourth level</a:t>
             </a:r>
           </a:p>
           <a:p>
             <a:pPr lvl="4"/>
             <a:r>
-              <a:rPr lang="en-US" smtClean="0"/>
+              <a:rPr lang="en-US"/>
               <a:t>Fifth level</a:t>
             </a:r>
-            <a:endParaRPr lang="en-US"/>
           </a:p>
         </p:txBody>
       </p:sp>
@@ -2722,7 +2717,7 @@
           <a:p>
             <a:fld id="{20F68D57-03CD-2047-8A43-1E9B5E4E3705}" type="datetimeFigureOut">
               <a:rPr lang="en-US" smtClean="0"/>
-              <a:t>9/1/16</a:t>
+              <a:t>5/8/18</a:t>
             </a:fld>
             <a:endParaRPr lang="en-US"/>
           </a:p>
@@ -3122,11 +3117,41 @@
                 <a:tableStyleId>{5940675A-B579-460E-94D1-54222C63F5DA}</a:tableStyleId>
               </a:tblPr>
               <a:tblGrid>
-                <a:gridCol w="830599"/>
-                <a:gridCol w="830599"/>
-                <a:gridCol w="830599"/>
-                <a:gridCol w="830599"/>
-                <a:gridCol w="830599"/>
+                <a:gridCol w="830599">
+                  <a:extLst>
+                    <a:ext uri="{9D8B030D-6E8A-4147-A177-3AD203B41FA5}">
+                      <a16:colId xmlns:a16="http://schemas.microsoft.com/office/drawing/2014/main" val="20000"/>
+                    </a:ext>
+                  </a:extLst>
+                </a:gridCol>
+                <a:gridCol w="830599">
+                  <a:extLst>
+                    <a:ext uri="{9D8B030D-6E8A-4147-A177-3AD203B41FA5}">
+                      <a16:colId xmlns:a16="http://schemas.microsoft.com/office/drawing/2014/main" val="20001"/>
+                    </a:ext>
+                  </a:extLst>
+                </a:gridCol>
+                <a:gridCol w="830599">
+                  <a:extLst>
+                    <a:ext uri="{9D8B030D-6E8A-4147-A177-3AD203B41FA5}">
+                      <a16:colId xmlns:a16="http://schemas.microsoft.com/office/drawing/2014/main" val="20002"/>
+                    </a:ext>
+                  </a:extLst>
+                </a:gridCol>
+                <a:gridCol w="830599">
+                  <a:extLst>
+                    <a:ext uri="{9D8B030D-6E8A-4147-A177-3AD203B41FA5}">
+                      <a16:colId xmlns:a16="http://schemas.microsoft.com/office/drawing/2014/main" val="20003"/>
+                    </a:ext>
+                  </a:extLst>
+                </a:gridCol>
+                <a:gridCol w="830599">
+                  <a:extLst>
+                    <a:ext uri="{9D8B030D-6E8A-4147-A177-3AD203B41FA5}">
+                      <a16:colId xmlns:a16="http://schemas.microsoft.com/office/drawing/2014/main" val="20004"/>
+                    </a:ext>
+                  </a:extLst>
+                </a:gridCol>
               </a:tblGrid>
               <a:tr h="266279">
                 <a:tc>
@@ -3136,10 +3161,9 @@
                     <a:p>
                       <a:pPr algn="ctr"/>
                       <a:r>
-                        <a:rPr lang="en-US" sz="1200" dirty="0" smtClean="0"/>
+                        <a:rPr lang="en-US" sz="1200" dirty="0"/>
                         <a:t>Kammy</a:t>
                       </a:r>
-                      <a:endParaRPr lang="en-US" sz="1200" dirty="0"/>
                     </a:p>
                   </a:txBody>
                   <a:tcPr/>
@@ -3162,10 +3186,9 @@
                     <a:p>
                       <a:pPr algn="ctr"/>
                       <a:r>
-                        <a:rPr lang="en-US" sz="1200" dirty="0" smtClean="0"/>
+                        <a:rPr lang="en-US" sz="1200" dirty="0"/>
                         <a:t>Anjali</a:t>
                       </a:r>
-                      <a:endParaRPr lang="en-US" sz="1200" dirty="0"/>
                     </a:p>
                   </a:txBody>
                   <a:tcPr/>
@@ -3177,10 +3200,9 @@
                     <a:p>
                       <a:pPr algn="ctr"/>
                       <a:r>
-                        <a:rPr lang="en-US" sz="1200" dirty="0" smtClean="0"/>
+                        <a:rPr lang="en-US" sz="1200" dirty="0"/>
                         <a:t>Alicia</a:t>
                       </a:r>
-                      <a:endParaRPr lang="en-US" sz="1200" dirty="0"/>
                     </a:p>
                   </a:txBody>
                   <a:tcPr/>
@@ -3192,14 +3214,18 @@
                     <a:p>
                       <a:pPr algn="ctr"/>
                       <a:r>
-                        <a:rPr lang="en-US" sz="1200" dirty="0" smtClean="0"/>
+                        <a:rPr lang="en-US" sz="1200" dirty="0"/>
                         <a:t>Nadah</a:t>
                       </a:r>
-                      <a:endParaRPr lang="en-US" sz="1200" dirty="0"/>
                     </a:p>
                   </a:txBody>
                   <a:tcPr/>
                 </a:tc>
+                <a:extLst>
+                  <a:ext uri="{0D108BD9-81ED-4DB2-BD59-A6C34878D82A}">
+                    <a16:rowId xmlns:a16="http://schemas.microsoft.com/office/drawing/2014/main" val="10000"/>
+                  </a:ext>
+                </a:extLst>
               </a:tr>
             </a:tbl>
           </a:graphicData>
@@ -3230,11 +3256,41 @@
                 <a:tableStyleId>{2D5ABB26-0587-4C30-8999-92F81FD0307C}</a:tableStyleId>
               </a:tblPr>
               <a:tblGrid>
-                <a:gridCol w="830599"/>
-                <a:gridCol w="830599"/>
-                <a:gridCol w="830599"/>
-                <a:gridCol w="830599"/>
-                <a:gridCol w="830599"/>
+                <a:gridCol w="830599">
+                  <a:extLst>
+                    <a:ext uri="{9D8B030D-6E8A-4147-A177-3AD203B41FA5}">
+                      <a16:colId xmlns:a16="http://schemas.microsoft.com/office/drawing/2014/main" val="20000"/>
+                    </a:ext>
+                  </a:extLst>
+                </a:gridCol>
+                <a:gridCol w="830599">
+                  <a:extLst>
+                    <a:ext uri="{9D8B030D-6E8A-4147-A177-3AD203B41FA5}">
+                      <a16:colId xmlns:a16="http://schemas.microsoft.com/office/drawing/2014/main" val="20001"/>
+                    </a:ext>
+                  </a:extLst>
+                </a:gridCol>
+                <a:gridCol w="830599">
+                  <a:extLst>
+                    <a:ext uri="{9D8B030D-6E8A-4147-A177-3AD203B41FA5}">
+                      <a16:colId xmlns:a16="http://schemas.microsoft.com/office/drawing/2014/main" val="20002"/>
+                    </a:ext>
+                  </a:extLst>
+                </a:gridCol>
+                <a:gridCol w="830599">
+                  <a:extLst>
+                    <a:ext uri="{9D8B030D-6E8A-4147-A177-3AD203B41FA5}">
+                      <a16:colId xmlns:a16="http://schemas.microsoft.com/office/drawing/2014/main" val="20003"/>
+                    </a:ext>
+                  </a:extLst>
+                </a:gridCol>
+                <a:gridCol w="830599">
+                  <a:extLst>
+                    <a:ext uri="{9D8B030D-6E8A-4147-A177-3AD203B41FA5}">
+                      <a16:colId xmlns:a16="http://schemas.microsoft.com/office/drawing/2014/main" val="20004"/>
+                    </a:ext>
+                  </a:extLst>
+                </a:gridCol>
               </a:tblGrid>
               <a:tr h="266279">
                 <a:tc>
@@ -3244,10 +3300,9 @@
                     <a:p>
                       <a:pPr algn="ctr"/>
                       <a:r>
-                        <a:rPr lang="en-US" dirty="0" smtClean="0"/>
+                        <a:rPr lang="en-US" dirty="0"/>
                         <a:t>0</a:t>
                       </a:r>
-                      <a:endParaRPr lang="en-US" dirty="0"/>
                     </a:p>
                   </a:txBody>
                   <a:tcPr/>
@@ -3259,10 +3314,9 @@
                     <a:p>
                       <a:pPr algn="ctr"/>
                       <a:r>
-                        <a:rPr lang="en-US" dirty="0" smtClean="0"/>
+                        <a:rPr lang="en-US" dirty="0"/>
                         <a:t>1</a:t>
                       </a:r>
-                      <a:endParaRPr lang="en-US" dirty="0"/>
                     </a:p>
                   </a:txBody>
                   <a:tcPr/>
@@ -3274,10 +3328,9 @@
                     <a:p>
                       <a:pPr algn="ctr"/>
                       <a:r>
-                        <a:rPr lang="en-US" dirty="0" smtClean="0"/>
+                        <a:rPr lang="en-US" dirty="0"/>
                         <a:t>2</a:t>
                       </a:r>
-                      <a:endParaRPr lang="en-US" dirty="0"/>
                     </a:p>
                   </a:txBody>
                   <a:tcPr/>
@@ -3289,10 +3342,9 @@
                     <a:p>
                       <a:pPr algn="ctr"/>
                       <a:r>
-                        <a:rPr lang="en-US" dirty="0" smtClean="0"/>
+                        <a:rPr lang="en-US" dirty="0"/>
                         <a:t>3</a:t>
                       </a:r>
-                      <a:endParaRPr lang="en-US" dirty="0"/>
                     </a:p>
                   </a:txBody>
                   <a:tcPr/>
@@ -3304,14 +3356,18 @@
                     <a:p>
                       <a:pPr algn="ctr"/>
                       <a:r>
-                        <a:rPr lang="en-US" dirty="0" smtClean="0"/>
+                        <a:rPr lang="en-US" dirty="0"/>
                         <a:t>4</a:t>
                       </a:r>
-                      <a:endParaRPr lang="en-US" dirty="0"/>
                     </a:p>
                   </a:txBody>
                   <a:tcPr/>
                 </a:tc>
+                <a:extLst>
+                  <a:ext uri="{0D108BD9-81ED-4DB2-BD59-A6C34878D82A}">
+                    <a16:rowId xmlns:a16="http://schemas.microsoft.com/office/drawing/2014/main" val="10000"/>
+                  </a:ext>
+                </a:extLst>
               </a:tr>
             </a:tbl>
           </a:graphicData>
@@ -3342,11 +3398,41 @@
                 <a:tableStyleId>{5940675A-B579-460E-94D1-54222C63F5DA}</a:tableStyleId>
               </a:tblPr>
               <a:tblGrid>
-                <a:gridCol w="830599"/>
-                <a:gridCol w="830599"/>
-                <a:gridCol w="830599"/>
-                <a:gridCol w="830599"/>
-                <a:gridCol w="830599"/>
+                <a:gridCol w="830599">
+                  <a:extLst>
+                    <a:ext uri="{9D8B030D-6E8A-4147-A177-3AD203B41FA5}">
+                      <a16:colId xmlns:a16="http://schemas.microsoft.com/office/drawing/2014/main" val="20000"/>
+                    </a:ext>
+                  </a:extLst>
+                </a:gridCol>
+                <a:gridCol w="830599">
+                  <a:extLst>
+                    <a:ext uri="{9D8B030D-6E8A-4147-A177-3AD203B41FA5}">
+                      <a16:colId xmlns:a16="http://schemas.microsoft.com/office/drawing/2014/main" val="20001"/>
+                    </a:ext>
+                  </a:extLst>
+                </a:gridCol>
+                <a:gridCol w="830599">
+                  <a:extLst>
+                    <a:ext uri="{9D8B030D-6E8A-4147-A177-3AD203B41FA5}">
+                      <a16:colId xmlns:a16="http://schemas.microsoft.com/office/drawing/2014/main" val="20002"/>
+                    </a:ext>
+                  </a:extLst>
+                </a:gridCol>
+                <a:gridCol w="830599">
+                  <a:extLst>
+                    <a:ext uri="{9D8B030D-6E8A-4147-A177-3AD203B41FA5}">
+                      <a16:colId xmlns:a16="http://schemas.microsoft.com/office/drawing/2014/main" val="20003"/>
+                    </a:ext>
+                  </a:extLst>
+                </a:gridCol>
+                <a:gridCol w="830599">
+                  <a:extLst>
+                    <a:ext uri="{9D8B030D-6E8A-4147-A177-3AD203B41FA5}">
+                      <a16:colId xmlns:a16="http://schemas.microsoft.com/office/drawing/2014/main" val="20004"/>
+                    </a:ext>
+                  </a:extLst>
+                </a:gridCol>
               </a:tblGrid>
               <a:tr h="266279">
                 <a:tc>
@@ -3356,10 +3442,9 @@
                     <a:p>
                       <a:pPr algn="ctr"/>
                       <a:r>
-                        <a:rPr lang="en-US" sz="1200" dirty="0" smtClean="0"/>
+                        <a:rPr lang="en-US" sz="1200" dirty="0"/>
                         <a:t>C</a:t>
                       </a:r>
-                      <a:endParaRPr lang="en-US" sz="1200" dirty="0"/>
                     </a:p>
                   </a:txBody>
                   <a:tcPr/>
@@ -3371,10 +3456,9 @@
                     <a:p>
                       <a:pPr algn="ctr"/>
                       <a:r>
-                        <a:rPr lang="en-US" sz="1200" dirty="0" smtClean="0"/>
+                        <a:rPr lang="en-US" sz="1200" dirty="0"/>
                         <a:t>F</a:t>
                       </a:r>
-                      <a:endParaRPr lang="en-US" sz="1200" dirty="0"/>
                     </a:p>
                   </a:txBody>
                   <a:tcPr/>
@@ -3386,10 +3470,9 @@
                     <a:p>
                       <a:pPr algn="ctr"/>
                       <a:r>
-                        <a:rPr lang="en-US" sz="1200" dirty="0" smtClean="0"/>
+                        <a:rPr lang="en-US" sz="1200" dirty="0"/>
                         <a:t>A</a:t>
                       </a:r>
-                      <a:endParaRPr lang="en-US" sz="1200" dirty="0"/>
                     </a:p>
                   </a:txBody>
                   <a:tcPr/>
@@ -3401,10 +3484,9 @@
                     <a:p>
                       <a:pPr algn="ctr"/>
                       <a:r>
-                        <a:rPr lang="en-US" sz="1200" dirty="0" smtClean="0"/>
+                        <a:rPr lang="en-US" sz="1200" dirty="0"/>
                         <a:t>A</a:t>
                       </a:r>
-                      <a:endParaRPr lang="en-US" sz="1200" dirty="0"/>
                     </a:p>
                   </a:txBody>
                   <a:tcPr/>
@@ -3420,6 +3502,11 @@
                   </a:txBody>
                   <a:tcPr/>
                 </a:tc>
+                <a:extLst>
+                  <a:ext uri="{0D108BD9-81ED-4DB2-BD59-A6C34878D82A}">
+                    <a16:rowId xmlns:a16="http://schemas.microsoft.com/office/drawing/2014/main" val="10000"/>
+                  </a:ext>
+                </a:extLst>
               </a:tr>
             </a:tbl>
           </a:graphicData>
@@ -3450,11 +3537,41 @@
                 <a:tableStyleId>{2D5ABB26-0587-4C30-8999-92F81FD0307C}</a:tableStyleId>
               </a:tblPr>
               <a:tblGrid>
-                <a:gridCol w="830599"/>
-                <a:gridCol w="830599"/>
-                <a:gridCol w="830599"/>
-                <a:gridCol w="830599"/>
-                <a:gridCol w="830599"/>
+                <a:gridCol w="830599">
+                  <a:extLst>
+                    <a:ext uri="{9D8B030D-6E8A-4147-A177-3AD203B41FA5}">
+                      <a16:colId xmlns:a16="http://schemas.microsoft.com/office/drawing/2014/main" val="20000"/>
+                    </a:ext>
+                  </a:extLst>
+                </a:gridCol>
+                <a:gridCol w="830599">
+                  <a:extLst>
+                    <a:ext uri="{9D8B030D-6E8A-4147-A177-3AD203B41FA5}">
+                      <a16:colId xmlns:a16="http://schemas.microsoft.com/office/drawing/2014/main" val="20001"/>
+                    </a:ext>
+                  </a:extLst>
+                </a:gridCol>
+                <a:gridCol w="830599">
+                  <a:extLst>
+                    <a:ext uri="{9D8B030D-6E8A-4147-A177-3AD203B41FA5}">
+                      <a16:colId xmlns:a16="http://schemas.microsoft.com/office/drawing/2014/main" val="20002"/>
+                    </a:ext>
+                  </a:extLst>
+                </a:gridCol>
+                <a:gridCol w="830599">
+                  <a:extLst>
+                    <a:ext uri="{9D8B030D-6E8A-4147-A177-3AD203B41FA5}">
+                      <a16:colId xmlns:a16="http://schemas.microsoft.com/office/drawing/2014/main" val="20003"/>
+                    </a:ext>
+                  </a:extLst>
+                </a:gridCol>
+                <a:gridCol w="830599">
+                  <a:extLst>
+                    <a:ext uri="{9D8B030D-6E8A-4147-A177-3AD203B41FA5}">
+                      <a16:colId xmlns:a16="http://schemas.microsoft.com/office/drawing/2014/main" val="20004"/>
+                    </a:ext>
+                  </a:extLst>
+                </a:gridCol>
               </a:tblGrid>
               <a:tr h="266279">
                 <a:tc>
@@ -3464,10 +3581,9 @@
                     <a:p>
                       <a:pPr algn="ctr"/>
                       <a:r>
-                        <a:rPr lang="en-US" dirty="0" smtClean="0"/>
+                        <a:rPr lang="en-US" dirty="0"/>
                         <a:t>0</a:t>
                       </a:r>
-                      <a:endParaRPr lang="en-US" dirty="0"/>
                     </a:p>
                   </a:txBody>
                   <a:tcPr/>
@@ -3479,10 +3595,9 @@
                     <a:p>
                       <a:pPr algn="ctr"/>
                       <a:r>
-                        <a:rPr lang="en-US" dirty="0" smtClean="0"/>
+                        <a:rPr lang="en-US" dirty="0"/>
                         <a:t>1</a:t>
                       </a:r>
-                      <a:endParaRPr lang="en-US" dirty="0"/>
                     </a:p>
                   </a:txBody>
                   <a:tcPr/>
@@ -3494,10 +3609,9 @@
                     <a:p>
                       <a:pPr algn="ctr"/>
                       <a:r>
-                        <a:rPr lang="en-US" dirty="0" smtClean="0"/>
+                        <a:rPr lang="en-US" dirty="0"/>
                         <a:t>2</a:t>
                       </a:r>
-                      <a:endParaRPr lang="en-US" dirty="0"/>
                     </a:p>
                   </a:txBody>
                   <a:tcPr/>
@@ -3509,10 +3623,9 @@
                     <a:p>
                       <a:pPr algn="ctr"/>
                       <a:r>
-                        <a:rPr lang="en-US" dirty="0" smtClean="0"/>
+                        <a:rPr lang="en-US" dirty="0"/>
                         <a:t>3</a:t>
                       </a:r>
-                      <a:endParaRPr lang="en-US" dirty="0"/>
                     </a:p>
                   </a:txBody>
                   <a:tcPr/>
@@ -3524,14 +3637,18 @@
                     <a:p>
                       <a:pPr algn="ctr"/>
                       <a:r>
-                        <a:rPr lang="en-US" dirty="0" smtClean="0"/>
+                        <a:rPr lang="en-US" dirty="0"/>
                         <a:t>4</a:t>
                       </a:r>
-                      <a:endParaRPr lang="en-US" dirty="0"/>
                     </a:p>
                   </a:txBody>
                   <a:tcPr/>
                 </a:tc>
+                <a:extLst>
+                  <a:ext uri="{0D108BD9-81ED-4DB2-BD59-A6C34878D82A}">
+                    <a16:rowId xmlns:a16="http://schemas.microsoft.com/office/drawing/2014/main" val="10000"/>
+                  </a:ext>
+                </a:extLst>
               </a:tr>
             </a:tbl>
           </a:graphicData>
@@ -3576,7 +3693,7 @@
           <p:nvPr>
             <p:extLst>
               <p:ext uri="{D42A27DB-BD31-4B8C-83A1-F6EECF244321}">
-                <p14:modId xmlns:p14="http://schemas.microsoft.com/office/powerpoint/2010/main" val="4259989724"/>
+                <p14:modId xmlns:p14="http://schemas.microsoft.com/office/powerpoint/2010/main" val="1560979674"/>
               </p:ext>
             </p:extLst>
           </p:nvPr>
@@ -3592,11 +3709,41 @@
                 <a:tableStyleId>{5C22544A-7EE6-4342-B048-85BDC9FD1C3A}</a:tableStyleId>
               </a:tblPr>
               <a:tblGrid>
-                <a:gridCol w="1243959"/>
-                <a:gridCol w="1243959"/>
-                <a:gridCol w="1243959"/>
-                <a:gridCol w="1243959"/>
-                <a:gridCol w="1243959"/>
+                <a:gridCol w="1243959">
+                  <a:extLst>
+                    <a:ext uri="{9D8B030D-6E8A-4147-A177-3AD203B41FA5}">
+                      <a16:colId xmlns:a16="http://schemas.microsoft.com/office/drawing/2014/main" val="20000"/>
+                    </a:ext>
+                  </a:extLst>
+                </a:gridCol>
+                <a:gridCol w="1243959">
+                  <a:extLst>
+                    <a:ext uri="{9D8B030D-6E8A-4147-A177-3AD203B41FA5}">
+                      <a16:colId xmlns:a16="http://schemas.microsoft.com/office/drawing/2014/main" val="20001"/>
+                    </a:ext>
+                  </a:extLst>
+                </a:gridCol>
+                <a:gridCol w="1243959">
+                  <a:extLst>
+                    <a:ext uri="{9D8B030D-6E8A-4147-A177-3AD203B41FA5}">
+                      <a16:colId xmlns:a16="http://schemas.microsoft.com/office/drawing/2014/main" val="20002"/>
+                    </a:ext>
+                  </a:extLst>
+                </a:gridCol>
+                <a:gridCol w="1243959">
+                  <a:extLst>
+                    <a:ext uri="{9D8B030D-6E8A-4147-A177-3AD203B41FA5}">
+                      <a16:colId xmlns:a16="http://schemas.microsoft.com/office/drawing/2014/main" val="20003"/>
+                    </a:ext>
+                  </a:extLst>
+                </a:gridCol>
+                <a:gridCol w="1243959">
+                  <a:extLst>
+                    <a:ext uri="{9D8B030D-6E8A-4147-A177-3AD203B41FA5}">
+                      <a16:colId xmlns:a16="http://schemas.microsoft.com/office/drawing/2014/main" val="20004"/>
+                    </a:ext>
+                  </a:extLst>
+                </a:gridCol>
               </a:tblGrid>
               <a:tr h="613987">
                 <a:tc>
@@ -3914,6 +4061,11 @@
                     </a:solidFill>
                   </a:tcPr>
                 </a:tc>
+                <a:extLst>
+                  <a:ext uri="{0D108BD9-81ED-4DB2-BD59-A6C34878D82A}">
+                    <a16:rowId xmlns:a16="http://schemas.microsoft.com/office/drawing/2014/main" val="10000"/>
+                  </a:ext>
+                </a:extLst>
               </a:tr>
             </a:tbl>
           </a:graphicData>
@@ -4108,10 +4260,9 @@
           <a:p>
             <a:pPr algn="ctr"/>
             <a:r>
-              <a:rPr lang="en-US" dirty="0" smtClean="0"/>
+              <a:rPr lang="en-US" dirty="0"/>
               <a:t>&lt;Alicia, C&gt;</a:t>
             </a:r>
-            <a:endParaRPr lang="en-US" dirty="0"/>
           </a:p>
           <a:p>
             <a:endParaRPr lang="en-US" dirty="0"/>
@@ -4142,10 +4293,9 @@
           <a:p>
             <a:pPr algn="ctr"/>
             <a:r>
-              <a:rPr lang="en-US" dirty="0" smtClean="0"/>
+              <a:rPr lang="en-US" dirty="0"/>
               <a:t>&lt;Anjali, D&gt;</a:t>
             </a:r>
-            <a:endParaRPr lang="en-US" dirty="0"/>
           </a:p>
           <a:p>
             <a:endParaRPr lang="en-US" dirty="0"/>
@@ -4209,10 +4359,9 @@
           <a:p>
             <a:pPr algn="ctr"/>
             <a:r>
-              <a:rPr lang="en-US" dirty="0" smtClean="0"/>
+              <a:rPr lang="en-US" dirty="0"/>
               <a:t>&lt;Nadah, A&gt;</a:t>
             </a:r>
-            <a:endParaRPr lang="en-US" dirty="0"/>
           </a:p>
           <a:p>
             <a:endParaRPr lang="en-US" dirty="0"/>
@@ -4243,14 +4392,9 @@
           <a:p>
             <a:pPr algn="ctr"/>
             <a:r>
-              <a:rPr lang="en-US" dirty="0" smtClean="0"/>
-              <a:t>&lt;Kammy, A</a:t>
-            </a:r>
-            <a:r>
               <a:rPr lang="en-US" dirty="0"/>
-              <a:t>&gt;</a:t>
-            </a:r>
-            <a:endParaRPr lang="en-US" dirty="0"/>
+              <a:t>&lt;Kammy, A&gt;</a:t>
+            </a:r>
           </a:p>
           <a:p>
             <a:endParaRPr lang="en-US" dirty="0"/>
@@ -4265,8 +4409,8 @@
         </p:nvSpPr>
         <p:spPr>
           <a:xfrm>
-            <a:off x="0" y="473433"/>
-            <a:ext cx="2312829" cy="861774"/>
+            <a:off x="87682" y="473433"/>
+            <a:ext cx="2726313" cy="861774"/>
           </a:xfrm>
           <a:prstGeom prst="rect">
             <a:avLst/>
@@ -4279,12 +4423,10 @@
           </a:bodyPr>
           <a:lstStyle/>
           <a:p>
-            <a:pPr algn="ctr"/>
-            <a:r>
-              <a:rPr lang="en-US" sz="3200" dirty="0" smtClean="0"/>
+            <a:r>
+              <a:rPr lang="en-US" sz="3200" dirty="0"/>
               <a:t>Grade Book: </a:t>
             </a:r>
-            <a:endParaRPr lang="en-US" sz="3200" dirty="0"/>
           </a:p>
           <a:p>
             <a:endParaRPr lang="en-US" dirty="0"/>
@@ -4330,7 +4472,7 @@
           <p:nvPr>
             <p:extLst>
               <p:ext uri="{D42A27DB-BD31-4B8C-83A1-F6EECF244321}">
-                <p14:modId xmlns:p14="http://schemas.microsoft.com/office/powerpoint/2010/main" val="794227623"/>
+                <p14:modId xmlns:p14="http://schemas.microsoft.com/office/powerpoint/2010/main" val="775609023"/>
               </p:ext>
             </p:extLst>
           </p:nvPr>
@@ -4346,11 +4488,41 @@
                 <a:tableStyleId>{5C22544A-7EE6-4342-B048-85BDC9FD1C3A}</a:tableStyleId>
               </a:tblPr>
               <a:tblGrid>
-                <a:gridCol w="1243959"/>
-                <a:gridCol w="1243959"/>
-                <a:gridCol w="1243959"/>
-                <a:gridCol w="1243959"/>
-                <a:gridCol w="1243959"/>
+                <a:gridCol w="1243959">
+                  <a:extLst>
+                    <a:ext uri="{9D8B030D-6E8A-4147-A177-3AD203B41FA5}">
+                      <a16:colId xmlns:a16="http://schemas.microsoft.com/office/drawing/2014/main" val="20000"/>
+                    </a:ext>
+                  </a:extLst>
+                </a:gridCol>
+                <a:gridCol w="1243959">
+                  <a:extLst>
+                    <a:ext uri="{9D8B030D-6E8A-4147-A177-3AD203B41FA5}">
+                      <a16:colId xmlns:a16="http://schemas.microsoft.com/office/drawing/2014/main" val="20001"/>
+                    </a:ext>
+                  </a:extLst>
+                </a:gridCol>
+                <a:gridCol w="1243959">
+                  <a:extLst>
+                    <a:ext uri="{9D8B030D-6E8A-4147-A177-3AD203B41FA5}">
+                      <a16:colId xmlns:a16="http://schemas.microsoft.com/office/drawing/2014/main" val="20002"/>
+                    </a:ext>
+                  </a:extLst>
+                </a:gridCol>
+                <a:gridCol w="1243959">
+                  <a:extLst>
+                    <a:ext uri="{9D8B030D-6E8A-4147-A177-3AD203B41FA5}">
+                      <a16:colId xmlns:a16="http://schemas.microsoft.com/office/drawing/2014/main" val="20003"/>
+                    </a:ext>
+                  </a:extLst>
+                </a:gridCol>
+                <a:gridCol w="1243959">
+                  <a:extLst>
+                    <a:ext uri="{9D8B030D-6E8A-4147-A177-3AD203B41FA5}">
+                      <a16:colId xmlns:a16="http://schemas.microsoft.com/office/drawing/2014/main" val="20004"/>
+                    </a:ext>
+                  </a:extLst>
+                </a:gridCol>
               </a:tblGrid>
               <a:tr h="613987">
                 <a:tc>
@@ -4668,6 +4840,11 @@
                     </a:solidFill>
                   </a:tcPr>
                 </a:tc>
+                <a:extLst>
+                  <a:ext uri="{0D108BD9-81ED-4DB2-BD59-A6C34878D82A}">
+                    <a16:rowId xmlns:a16="http://schemas.microsoft.com/office/drawing/2014/main" val="10000"/>
+                  </a:ext>
+                </a:extLst>
               </a:tr>
             </a:tbl>
           </a:graphicData>
@@ -4862,10 +5039,9 @@
           <a:p>
             <a:pPr algn="ctr"/>
             <a:r>
-              <a:rPr lang="en-US" sz="3200" dirty="0" smtClean="0"/>
+              <a:rPr lang="en-US" sz="3200" dirty="0"/>
               <a:t>Alicia</a:t>
             </a:r>
-            <a:endParaRPr lang="en-US" sz="3200" dirty="0"/>
           </a:p>
           <a:p>
             <a:endParaRPr lang="en-US" dirty="0"/>
@@ -4896,10 +5072,9 @@
           <a:p>
             <a:pPr algn="ctr"/>
             <a:r>
-              <a:rPr lang="en-US" sz="3200" dirty="0" smtClean="0"/>
+              <a:rPr lang="en-US" sz="3200" dirty="0"/>
               <a:t>Anjali</a:t>
             </a:r>
-            <a:endParaRPr lang="en-US" sz="3200" dirty="0"/>
           </a:p>
           <a:p>
             <a:endParaRPr lang="en-US" dirty="0"/>
@@ -4963,10 +5138,9 @@
           <a:p>
             <a:pPr algn="ctr"/>
             <a:r>
-              <a:rPr lang="en-US" sz="3200" dirty="0" smtClean="0"/>
+              <a:rPr lang="en-US" sz="3200" dirty="0"/>
               <a:t>Nadah</a:t>
             </a:r>
-            <a:endParaRPr lang="en-US" sz="3200" dirty="0"/>
           </a:p>
           <a:p>
             <a:endParaRPr lang="en-US" dirty="0"/>
@@ -4997,10 +5171,9 @@
           <a:p>
             <a:pPr algn="ctr"/>
             <a:r>
-              <a:rPr lang="en-US" sz="3200" dirty="0" smtClean="0"/>
+              <a:rPr lang="en-US" sz="3200" dirty="0"/>
               <a:t>Kammy </a:t>
             </a:r>
-            <a:endParaRPr lang="en-US" sz="3200" dirty="0"/>
           </a:p>
           <a:p>
             <a:endParaRPr lang="en-US" dirty="0"/>
@@ -5016,7 +5189,7 @@
           <p:nvPr>
             <p:extLst>
               <p:ext uri="{D42A27DB-BD31-4B8C-83A1-F6EECF244321}">
-                <p14:modId xmlns:p14="http://schemas.microsoft.com/office/powerpoint/2010/main" val="247900910"/>
+                <p14:modId xmlns:p14="http://schemas.microsoft.com/office/powerpoint/2010/main" val="1217326959"/>
               </p:ext>
             </p:extLst>
           </p:nvPr>
@@ -5032,11 +5205,41 @@
                 <a:tableStyleId>{5C22544A-7EE6-4342-B048-85BDC9FD1C3A}</a:tableStyleId>
               </a:tblPr>
               <a:tblGrid>
-                <a:gridCol w="1243959"/>
-                <a:gridCol w="1243959"/>
-                <a:gridCol w="1243959"/>
-                <a:gridCol w="1243959"/>
-                <a:gridCol w="1243959"/>
+                <a:gridCol w="1243959">
+                  <a:extLst>
+                    <a:ext uri="{9D8B030D-6E8A-4147-A177-3AD203B41FA5}">
+                      <a16:colId xmlns:a16="http://schemas.microsoft.com/office/drawing/2014/main" val="20000"/>
+                    </a:ext>
+                  </a:extLst>
+                </a:gridCol>
+                <a:gridCol w="1243959">
+                  <a:extLst>
+                    <a:ext uri="{9D8B030D-6E8A-4147-A177-3AD203B41FA5}">
+                      <a16:colId xmlns:a16="http://schemas.microsoft.com/office/drawing/2014/main" val="20001"/>
+                    </a:ext>
+                  </a:extLst>
+                </a:gridCol>
+                <a:gridCol w="1243959">
+                  <a:extLst>
+                    <a:ext uri="{9D8B030D-6E8A-4147-A177-3AD203B41FA5}">
+                      <a16:colId xmlns:a16="http://schemas.microsoft.com/office/drawing/2014/main" val="20002"/>
+                    </a:ext>
+                  </a:extLst>
+                </a:gridCol>
+                <a:gridCol w="1243959">
+                  <a:extLst>
+                    <a:ext uri="{9D8B030D-6E8A-4147-A177-3AD203B41FA5}">
+                      <a16:colId xmlns:a16="http://schemas.microsoft.com/office/drawing/2014/main" val="20003"/>
+                    </a:ext>
+                  </a:extLst>
+                </a:gridCol>
+                <a:gridCol w="1243959">
+                  <a:extLst>
+                    <a:ext uri="{9D8B030D-6E8A-4147-A177-3AD203B41FA5}">
+                      <a16:colId xmlns:a16="http://schemas.microsoft.com/office/drawing/2014/main" val="20004"/>
+                    </a:ext>
+                  </a:extLst>
+                </a:gridCol>
               </a:tblGrid>
               <a:tr h="613987">
                 <a:tc>
@@ -5354,6 +5557,11 @@
                     </a:solidFill>
                   </a:tcPr>
                 </a:tc>
+                <a:extLst>
+                  <a:ext uri="{0D108BD9-81ED-4DB2-BD59-A6C34878D82A}">
+                    <a16:rowId xmlns:a16="http://schemas.microsoft.com/office/drawing/2014/main" val="10000"/>
+                  </a:ext>
+                </a:extLst>
               </a:tr>
             </a:tbl>
           </a:graphicData>
@@ -5551,7 +5759,6 @@
               <a:rPr lang="en-US" sz="3200" dirty="0"/>
               <a:t>A</a:t>
             </a:r>
-            <a:endParaRPr lang="en-US" sz="3200" dirty="0"/>
           </a:p>
           <a:p>
             <a:endParaRPr lang="en-US" dirty="0"/>
@@ -5618,7 +5825,6 @@
               <a:rPr lang="en-US" sz="3200" dirty="0"/>
               <a:t>A</a:t>
             </a:r>
-            <a:endParaRPr lang="en-US" sz="3200" dirty="0"/>
           </a:p>
           <a:p>
             <a:endParaRPr lang="en-US" dirty="0"/>
@@ -5685,7 +5891,6 @@
               <a:rPr lang="en-US" sz="3200" dirty="0"/>
               <a:t>D</a:t>
             </a:r>
-            <a:endParaRPr lang="en-US" sz="3200" dirty="0"/>
           </a:p>
           <a:p>
             <a:endParaRPr lang="en-US" dirty="0"/>
@@ -5700,8 +5905,8 @@
         </p:nvSpPr>
         <p:spPr>
           <a:xfrm>
-            <a:off x="147214" y="473433"/>
-            <a:ext cx="2312829" cy="861774"/>
+            <a:off x="409561" y="473433"/>
+            <a:ext cx="2286614" cy="861774"/>
           </a:xfrm>
           <a:prstGeom prst="rect">
             <a:avLst/>
@@ -5714,12 +5919,10 @@
           </a:bodyPr>
           <a:lstStyle/>
           <a:p>
-            <a:pPr algn="ctr"/>
-            <a:r>
-              <a:rPr lang="en-US" sz="3200" dirty="0" smtClean="0"/>
+            <a:r>
+              <a:rPr lang="en-US" sz="3200" dirty="0"/>
               <a:t>Students: </a:t>
             </a:r>
-            <a:endParaRPr lang="en-US" sz="3200" dirty="0"/>
           </a:p>
           <a:p>
             <a:endParaRPr lang="en-US" dirty="0"/>
@@ -5734,8 +5937,8 @@
         </p:nvSpPr>
         <p:spPr>
           <a:xfrm>
-            <a:off x="312747" y="3091904"/>
-            <a:ext cx="2312829" cy="861774"/>
+            <a:off x="726509" y="3091904"/>
+            <a:ext cx="1969665" cy="861774"/>
           </a:xfrm>
           <a:prstGeom prst="rect">
             <a:avLst/>
@@ -5748,12 +5951,10 @@
           </a:bodyPr>
           <a:lstStyle/>
           <a:p>
-            <a:pPr algn="ctr"/>
-            <a:r>
-              <a:rPr lang="en-US" sz="3200" dirty="0" smtClean="0"/>
+            <a:r>
+              <a:rPr lang="en-US" sz="3200" dirty="0"/>
               <a:t>Grades: </a:t>
             </a:r>
-            <a:endParaRPr lang="en-US" sz="3200" dirty="0"/>
           </a:p>
           <a:p>
             <a:endParaRPr lang="en-US" dirty="0"/>
